--- a/PPT Pagina web.pptx
+++ b/PPT Pagina web.pptx
@@ -6,8 +6,9 @@
   </p:sldMasterIdLst>
   <p:sldIdLst>
     <p:sldId id="256" r:id="rId2"/>
-    <p:sldId id="257" r:id="rId3"/>
-    <p:sldId id="258" r:id="rId4"/>
+    <p:sldId id="258" r:id="rId3"/>
+    <p:sldId id="257" r:id="rId4"/>
+    <p:sldId id="259" r:id="rId5"/>
   </p:sldIdLst>
   <p:sldSz cx="12192000" cy="6858000"/>
   <p:notesSz cx="6858000" cy="9144000"/>
@@ -106,6 +107,11 @@
       </a:defRPr>
     </a:lvl9pPr>
   </p:defaultTextStyle>
+  <p:extLst>
+    <p:ext uri="{EFAFB233-063F-42B5-8137-9DF3F51BA10A}">
+      <p15:sldGuideLst xmlns:p15="http://schemas.microsoft.com/office/powerpoint/2012/main"/>
+    </p:ext>
+  </p:extLst>
 </p:presentation>
 </file>
 
@@ -5683,7 +5689,13 @@
           <a:p>
             <a:r>
               <a:rPr lang="es-ES" dirty="0"/>
-              <a:t>Integrante: Lucas acevedo </a:t>
+              <a:t>Integrantes: </a:t>
+            </a:r>
+          </a:p>
+          <a:p>
+            <a:r>
+              <a:rPr lang="es-ES" dirty="0"/>
+              <a:t>Lucas acevedo </a:t>
             </a:r>
           </a:p>
           <a:p>
@@ -5695,14 +5707,15 @@
           <a:p>
             <a:r>
               <a:rPr lang="es-CL" dirty="0"/>
-              <a:t>Sección 005d</a:t>
-            </a:r>
-          </a:p>
-          <a:p>
-            <a:r>
-              <a:rPr lang="es-ES" dirty="0"/>
-              <a:t>Modulo:005d</a:t>
-            </a:r>
+              <a:t>Sección:005d</a:t>
+            </a:r>
+          </a:p>
+          <a:p>
+            <a:r>
+              <a:rPr lang="es-ES" dirty="0" err="1"/>
+              <a:t>Modulo:PGY</a:t>
+            </a:r>
+            <a:endParaRPr lang="es-ES" dirty="0"/>
           </a:p>
         </p:txBody>
       </p:sp>
@@ -5735,6 +5748,78 @@
           <a:xfrm>
             <a:off x="0" y="0"/>
             <a:ext cx="2088107" cy="614150"/>
+          </a:xfrm>
+          <a:prstGeom prst="rect">
+            <a:avLst/>
+          </a:prstGeom>
+        </p:spPr>
+      </p:pic>
+      <p:pic>
+        <p:nvPicPr>
+          <p:cNvPr id="8" name="Imagen 7">
+            <a:extLst>
+              <a:ext uri="{FF2B5EF4-FFF2-40B4-BE49-F238E27FC236}">
+                <a16:creationId xmlns:a16="http://schemas.microsoft.com/office/drawing/2014/main" id="{AB6C5222-D61D-43AF-9CEF-AE3BD5ED003B}"/>
+              </a:ext>
+            </a:extLst>
+          </p:cNvPr>
+          <p:cNvPicPr>
+            <a:picLocks noChangeAspect="1"/>
+          </p:cNvPicPr>
+          <p:nvPr/>
+        </p:nvPicPr>
+        <p:blipFill>
+          <a:blip r:embed="rId3">
+            <a:extLst>
+              <a:ext uri="{28A0092B-C50C-407E-A947-70E740481C1C}">
+                <a14:useLocalDpi xmlns:a14="http://schemas.microsoft.com/office/drawing/2010/main" val="0"/>
+              </a:ext>
+            </a:extLst>
+          </a:blip>
+          <a:stretch>
+            <a:fillRect/>
+          </a:stretch>
+        </p:blipFill>
+        <p:spPr>
+          <a:xfrm>
+            <a:off x="8049832" y="2340085"/>
+            <a:ext cx="3393483" cy="2523903"/>
+          </a:xfrm>
+          <a:prstGeom prst="rect">
+            <a:avLst/>
+          </a:prstGeom>
+        </p:spPr>
+      </p:pic>
+      <p:pic>
+        <p:nvPicPr>
+          <p:cNvPr id="10" name="Imagen 9">
+            <a:extLst>
+              <a:ext uri="{FF2B5EF4-FFF2-40B4-BE49-F238E27FC236}">
+                <a16:creationId xmlns:a16="http://schemas.microsoft.com/office/drawing/2014/main" id="{CFC970ED-5E7D-4D8F-B520-3E082E43B4C2}"/>
+              </a:ext>
+            </a:extLst>
+          </p:cNvPr>
+          <p:cNvPicPr>
+            <a:picLocks noChangeAspect="1"/>
+          </p:cNvPicPr>
+          <p:nvPr/>
+        </p:nvPicPr>
+        <p:blipFill>
+          <a:blip r:embed="rId3">
+            <a:extLst>
+              <a:ext uri="{28A0092B-C50C-407E-A947-70E740481C1C}">
+                <a14:useLocalDpi xmlns:a14="http://schemas.microsoft.com/office/drawing/2010/main" val="0"/>
+              </a:ext>
+            </a:extLst>
+          </a:blip>
+          <a:stretch>
+            <a:fillRect/>
+          </a:stretch>
+        </p:blipFill>
+        <p:spPr>
+          <a:xfrm flipH="1">
+            <a:off x="748685" y="2387600"/>
+            <a:ext cx="3193000" cy="2440425"/>
           </a:xfrm>
           <a:prstGeom prst="rect">
             <a:avLst/>
@@ -5776,7 +5861,7 @@
           <p:cNvPr id="2" name="Título 1">
             <a:extLst>
               <a:ext uri="{FF2B5EF4-FFF2-40B4-BE49-F238E27FC236}">
-                <a16:creationId xmlns:a16="http://schemas.microsoft.com/office/drawing/2014/main" id="{ABA0D90A-22BD-4688-8705-F352D53C8AE7}"/>
+                <a16:creationId xmlns:a16="http://schemas.microsoft.com/office/drawing/2014/main" id="{59A95328-677C-43EF-9655-F61923C67557}"/>
               </a:ext>
             </a:extLst>
           </p:cNvPr>
@@ -5793,8 +5878,8 @@
           <a:lstStyle/>
           <a:p>
             <a:r>
-              <a:rPr lang="es-ES" dirty="0"/>
-              <a:t>Introducción</a:t>
+              <a:rPr lang="es-CL" dirty="0" err="1"/>
+              <a:t>Introduccion</a:t>
             </a:r>
             <a:endParaRPr lang="es-CL" dirty="0"/>
           </a:p>
@@ -5805,7 +5890,7 @@
           <p:cNvPr id="3" name="Marcador de contenido 2">
             <a:extLst>
               <a:ext uri="{FF2B5EF4-FFF2-40B4-BE49-F238E27FC236}">
-                <a16:creationId xmlns:a16="http://schemas.microsoft.com/office/drawing/2014/main" id="{5496BEAC-1707-4771-8587-8DB662161412}"/>
+                <a16:creationId xmlns:a16="http://schemas.microsoft.com/office/drawing/2014/main" id="{3B8512AC-6952-4EC3-97A6-26F310681581}"/>
               </a:ext>
             </a:extLst>
           </p:cNvPr>
@@ -5823,16 +5908,88 @@
           <a:p>
             <a:r>
               <a:rPr lang="es-ES" dirty="0"/>
-              <a:t>Un grupo de amigas comenzó a realizar la venta de productos para mascotas como bandanas, correas e identificaciones, todo esto para ayudar a una fundación sin fines de lucro, todo partió a través de las redes sociales, pero en la actualidad es casi imposible dar abasto a la demanda a través de las redes sociales. Por eso, a contactado a los alumnos del Duoc para que puedan ayudarles a construir una aplicación web que permita a sus usuarios elaborar listas de compras con la intención de permitir a las amigas a ordenar sus presupuestos, mejorar sus finanzas, realizar el aporte a la fundación sin fines de lucro y mejorar la venta y el despacho de sus productos.</a:t>
+              <a:t>El caso trata sobre una pagina web que ayude a un grupo de amigas a vender sus productos de manera mas eficiente nosotros con la pagina web intentamos visualizar mas la actuación de la agrupación Petsy que ayuda los perros sin hogar o abandonados a encontrar un hogar ,también hicimos una zona de ventas que serviría para financiar el actuar de la agrupación Petsy</a:t>
             </a:r>
             <a:endParaRPr lang="es-CL" dirty="0"/>
           </a:p>
         </p:txBody>
       </p:sp>
+      <p:pic>
+        <p:nvPicPr>
+          <p:cNvPr id="5" name="Imagen 4">
+            <a:extLst>
+              <a:ext uri="{FF2B5EF4-FFF2-40B4-BE49-F238E27FC236}">
+                <a16:creationId xmlns:a16="http://schemas.microsoft.com/office/drawing/2014/main" id="{645DAB84-B572-4836-B62F-6047108C8E3D}"/>
+              </a:ext>
+            </a:extLst>
+          </p:cNvPr>
+          <p:cNvPicPr>
+            <a:picLocks noChangeAspect="1"/>
+          </p:cNvPicPr>
+          <p:nvPr/>
+        </p:nvPicPr>
+        <p:blipFill>
+          <a:blip r:embed="rId2">
+            <a:extLst>
+              <a:ext uri="{28A0092B-C50C-407E-A947-70E740481C1C}">
+                <a14:useLocalDpi xmlns:a14="http://schemas.microsoft.com/office/drawing/2010/main" val="0"/>
+              </a:ext>
+            </a:extLst>
+          </a:blip>
+          <a:stretch>
+            <a:fillRect/>
+          </a:stretch>
+        </p:blipFill>
+        <p:spPr>
+          <a:xfrm>
+            <a:off x="9472474" y="258819"/>
+            <a:ext cx="2254927" cy="1677102"/>
+          </a:xfrm>
+          <a:prstGeom prst="rect">
+            <a:avLst/>
+          </a:prstGeom>
+        </p:spPr>
+      </p:pic>
+      <p:pic>
+        <p:nvPicPr>
+          <p:cNvPr id="8" name="Imagen 7">
+            <a:extLst>
+              <a:ext uri="{FF2B5EF4-FFF2-40B4-BE49-F238E27FC236}">
+                <a16:creationId xmlns:a16="http://schemas.microsoft.com/office/drawing/2014/main" id="{A47A2D9B-063E-48D5-8D15-C4BC6A3FACAD}"/>
+              </a:ext>
+            </a:extLst>
+          </p:cNvPr>
+          <p:cNvPicPr>
+            <a:picLocks noChangeAspect="1"/>
+          </p:cNvPicPr>
+          <p:nvPr/>
+        </p:nvPicPr>
+        <p:blipFill>
+          <a:blip r:embed="rId3">
+            <a:extLst>
+              <a:ext uri="{28A0092B-C50C-407E-A947-70E740481C1C}">
+                <a14:useLocalDpi xmlns:a14="http://schemas.microsoft.com/office/drawing/2010/main" val="0"/>
+              </a:ext>
+            </a:extLst>
+          </a:blip>
+          <a:stretch>
+            <a:fillRect/>
+          </a:stretch>
+        </p:blipFill>
+        <p:spPr>
+          <a:xfrm>
+            <a:off x="8965280" y="3710865"/>
+            <a:ext cx="2009313" cy="3013969"/>
+          </a:xfrm>
+          <a:prstGeom prst="rect">
+            <a:avLst/>
+          </a:prstGeom>
+        </p:spPr>
+      </p:pic>
     </p:spTree>
     <p:extLst>
       <p:ext uri="{BB962C8B-B14F-4D97-AF65-F5344CB8AC3E}">
-        <p14:creationId xmlns:p14="http://schemas.microsoft.com/office/powerpoint/2010/main" val="4037799155"/>
+        <p14:creationId xmlns:p14="http://schemas.microsoft.com/office/powerpoint/2010/main" val="3163738165"/>
       </p:ext>
     </p:extLst>
   </p:cSld>
@@ -5864,7 +6021,7 @@
           <p:cNvPr id="2" name="Título 1">
             <a:extLst>
               <a:ext uri="{FF2B5EF4-FFF2-40B4-BE49-F238E27FC236}">
-                <a16:creationId xmlns:a16="http://schemas.microsoft.com/office/drawing/2014/main" id="{59A95328-677C-43EF-9655-F61923C67557}"/>
+                <a16:creationId xmlns:a16="http://schemas.microsoft.com/office/drawing/2014/main" id="{ABA0D90A-22BD-4688-8705-F352D53C8AE7}"/>
               </a:ext>
             </a:extLst>
           </p:cNvPr>
@@ -5881,8 +6038,8 @@
           <a:lstStyle/>
           <a:p>
             <a:r>
-              <a:rPr lang="es-ES" dirty="0"/>
-              <a:t>CONTEXTUALIZACIÓN</a:t>
+              <a:rPr lang="es-CL" dirty="0" err="1"/>
+              <a:t>Contextualizacion</a:t>
             </a:r>
             <a:endParaRPr lang="es-CL" dirty="0"/>
           </a:p>
@@ -5893,7 +6050,7 @@
           <p:cNvPr id="3" name="Marcador de contenido 2">
             <a:extLst>
               <a:ext uri="{FF2B5EF4-FFF2-40B4-BE49-F238E27FC236}">
-                <a16:creationId xmlns:a16="http://schemas.microsoft.com/office/drawing/2014/main" id="{3B8512AC-6952-4EC3-97A6-26F310681581}"/>
+                <a16:creationId xmlns:a16="http://schemas.microsoft.com/office/drawing/2014/main" id="{5496BEAC-1707-4771-8587-8DB662161412}"/>
               </a:ext>
             </a:extLst>
           </p:cNvPr>
@@ -5904,27 +6061,313 @@
             <p:ph idx="1"/>
           </p:nvPr>
         </p:nvSpPr>
-        <p:spPr/>
-        <p:txBody>
-          <a:bodyPr/>
+        <p:spPr>
+          <a:xfrm>
+            <a:off x="913795" y="1935921"/>
+            <a:ext cx="10147177" cy="3695136"/>
+          </a:xfrm>
+        </p:spPr>
+        <p:txBody>
+          <a:bodyPr>
+            <a:normAutofit/>
+          </a:bodyPr>
           <a:lstStyle/>
           <a:p>
             <a:r>
               <a:rPr lang="es-ES" dirty="0"/>
-              <a:t>El caso trata sobre una pagina web que ayude a un grupo de amigas a vender sus productos de manera </a:t>
-            </a:r>
-            <a:r>
-              <a:rPr lang="es-ES"/>
-              <a:t>mas eficiente </a:t>
+              <a:t>Un grupo de amigas comenzó a realizar la venta de productos para mascotas como bandanas, correas e identificaciones, todo esto para ayudar a una fundación sin fines de lucro, todo partió a través de las redes sociales, pero en la actualidad es casi imposible dar abasto a la demanda a través de las redes sociales. Por eso, a contactado a los alumnos del Duoc para que puedan ayudarles a construir una aplicación web que permita a sus usuarios elaborar listas de compras con la intención de permitir a las amigas a ordenar sus presupuestos, mejorar sus finanzas, realizar el aporte a la fundación sin fines de lucro y mejorar la venta y el despacho de sus productos.</a:t>
             </a:r>
             <a:endParaRPr lang="es-CL" dirty="0"/>
           </a:p>
         </p:txBody>
       </p:sp>
+      <p:pic>
+        <p:nvPicPr>
+          <p:cNvPr id="7" name="Imagen 6">
+            <a:extLst>
+              <a:ext uri="{FF2B5EF4-FFF2-40B4-BE49-F238E27FC236}">
+                <a16:creationId xmlns:a16="http://schemas.microsoft.com/office/drawing/2014/main" id="{64C0197A-6F55-4104-9337-1F8DFA0A7036}"/>
+              </a:ext>
+            </a:extLst>
+          </p:cNvPr>
+          <p:cNvPicPr>
+            <a:picLocks noChangeAspect="1"/>
+          </p:cNvPicPr>
+          <p:nvPr/>
+        </p:nvPicPr>
+        <p:blipFill>
+          <a:blip r:embed="rId2">
+            <a:extLst>
+              <a:ext uri="{28A0092B-C50C-407E-A947-70E740481C1C}">
+                <a14:useLocalDpi xmlns:a14="http://schemas.microsoft.com/office/drawing/2010/main" val="0"/>
+              </a:ext>
+            </a:extLst>
+          </a:blip>
+          <a:stretch>
+            <a:fillRect/>
+          </a:stretch>
+        </p:blipFill>
+        <p:spPr>
+          <a:xfrm>
+            <a:off x="10057795" y="244284"/>
+            <a:ext cx="2006353" cy="1492225"/>
+          </a:xfrm>
+          <a:prstGeom prst="rect">
+            <a:avLst/>
+          </a:prstGeom>
+        </p:spPr>
+      </p:pic>
     </p:spTree>
     <p:extLst>
       <p:ext uri="{BB962C8B-B14F-4D97-AF65-F5344CB8AC3E}">
-        <p14:creationId xmlns:p14="http://schemas.microsoft.com/office/powerpoint/2010/main" val="3163738165"/>
+        <p14:creationId xmlns:p14="http://schemas.microsoft.com/office/powerpoint/2010/main" val="4037799155"/>
+      </p:ext>
+    </p:extLst>
+  </p:cSld>
+  <p:clrMapOvr>
+    <a:masterClrMapping/>
+  </p:clrMapOvr>
+</p:sld>
+</file>
+
+<file path=ppt/slides/slide4.xml><?xml version="1.0" encoding="utf-8"?>
+<p:sld xmlns:a="http://schemas.openxmlformats.org/drawingml/2006/main" xmlns:r="http://schemas.openxmlformats.org/officeDocument/2006/relationships" xmlns:p="http://schemas.openxmlformats.org/presentationml/2006/main">
+  <p:cSld>
+    <p:spTree>
+      <p:nvGrpSpPr>
+        <p:cNvPr id="1" name=""/>
+        <p:cNvGrpSpPr/>
+        <p:nvPr/>
+      </p:nvGrpSpPr>
+      <p:grpSpPr>
+        <a:xfrm>
+          <a:off x="0" y="0"/>
+          <a:ext cx="0" cy="0"/>
+          <a:chOff x="0" y="0"/>
+          <a:chExt cx="0" cy="0"/>
+        </a:xfrm>
+      </p:grpSpPr>
+      <p:sp>
+        <p:nvSpPr>
+          <p:cNvPr id="2" name="Título 1">
+            <a:extLst>
+              <a:ext uri="{FF2B5EF4-FFF2-40B4-BE49-F238E27FC236}">
+                <a16:creationId xmlns:a16="http://schemas.microsoft.com/office/drawing/2014/main" id="{D05ECD1A-D0B6-4A7F-8C5E-9503AFA9DE7C}"/>
+              </a:ext>
+            </a:extLst>
+          </p:cNvPr>
+          <p:cNvSpPr>
+            <a:spLocks noGrp="1"/>
+          </p:cNvSpPr>
+          <p:nvPr>
+            <p:ph type="title"/>
+          </p:nvPr>
+        </p:nvSpPr>
+        <p:spPr>
+          <a:xfrm>
+            <a:off x="780629" y="470185"/>
+            <a:ext cx="10353761" cy="1326321"/>
+          </a:xfrm>
+        </p:spPr>
+        <p:txBody>
+          <a:bodyPr/>
+          <a:lstStyle/>
+          <a:p>
+            <a:r>
+              <a:rPr lang="es-ES" dirty="0"/>
+              <a:t>Construcción DEL SITIO WEB</a:t>
+            </a:r>
+            <a:endParaRPr lang="es-419" dirty="0"/>
+          </a:p>
+        </p:txBody>
+      </p:sp>
+      <p:sp>
+        <p:nvSpPr>
+          <p:cNvPr id="3" name="Marcador de contenido 2">
+            <a:extLst>
+              <a:ext uri="{FF2B5EF4-FFF2-40B4-BE49-F238E27FC236}">
+                <a16:creationId xmlns:a16="http://schemas.microsoft.com/office/drawing/2014/main" id="{99D9F2A1-C496-49F4-8DAD-75737A5C5BB4}"/>
+              </a:ext>
+            </a:extLst>
+          </p:cNvPr>
+          <p:cNvSpPr>
+            <a:spLocks noGrp="1"/>
+          </p:cNvSpPr>
+          <p:nvPr>
+            <p:ph idx="1"/>
+          </p:nvPr>
+        </p:nvSpPr>
+        <p:spPr>
+          <a:xfrm>
+            <a:off x="1046960" y="2413574"/>
+            <a:ext cx="10353762" cy="3695136"/>
+          </a:xfrm>
+        </p:spPr>
+        <p:txBody>
+          <a:bodyPr/>
+          <a:lstStyle/>
+          <a:p>
+            <a:r>
+              <a:rPr lang="es-ES" dirty="0"/>
+              <a:t>Para la construcción del sitio web utilizamos los lenguajes de programación</a:t>
+            </a:r>
+          </a:p>
+          <a:p>
+            <a:r>
+              <a:rPr lang="es-ES" dirty="0"/>
+              <a:t>HTML y CSS  , también le implementamos el framework  llamado Bootstrap </a:t>
+            </a:r>
+          </a:p>
+        </p:txBody>
+      </p:sp>
+      <p:pic>
+        <p:nvPicPr>
+          <p:cNvPr id="6" name="Imagen 5">
+            <a:extLst>
+              <a:ext uri="{FF2B5EF4-FFF2-40B4-BE49-F238E27FC236}">
+                <a16:creationId xmlns:a16="http://schemas.microsoft.com/office/drawing/2014/main" id="{725A80E2-369E-41ED-9F6B-3397C637B81B}"/>
+              </a:ext>
+            </a:extLst>
+          </p:cNvPr>
+          <p:cNvPicPr>
+            <a:picLocks noChangeAspect="1"/>
+          </p:cNvPicPr>
+          <p:nvPr/>
+        </p:nvPicPr>
+        <p:blipFill>
+          <a:blip r:embed="rId2">
+            <a:extLst>
+              <a:ext uri="{28A0092B-C50C-407E-A947-70E740481C1C}">
+                <a14:useLocalDpi xmlns:a14="http://schemas.microsoft.com/office/drawing/2010/main" val="0"/>
+              </a:ext>
+            </a:extLst>
+          </a:blip>
+          <a:stretch>
+            <a:fillRect/>
+          </a:stretch>
+        </p:blipFill>
+        <p:spPr>
+          <a:xfrm>
+            <a:off x="10710532" y="3845129"/>
+            <a:ext cx="983353" cy="983353"/>
+          </a:xfrm>
+          <a:prstGeom prst="rect">
+            <a:avLst/>
+          </a:prstGeom>
+        </p:spPr>
+      </p:pic>
+      <p:pic>
+        <p:nvPicPr>
+          <p:cNvPr id="12" name="Imagen 11">
+            <a:extLst>
+              <a:ext uri="{FF2B5EF4-FFF2-40B4-BE49-F238E27FC236}">
+                <a16:creationId xmlns:a16="http://schemas.microsoft.com/office/drawing/2014/main" id="{64BD2E8A-4547-4761-A9E9-B0E48CC5928B}"/>
+              </a:ext>
+            </a:extLst>
+          </p:cNvPr>
+          <p:cNvPicPr>
+            <a:picLocks noChangeAspect="1"/>
+          </p:cNvPicPr>
+          <p:nvPr/>
+        </p:nvPicPr>
+        <p:blipFill>
+          <a:blip r:embed="rId3">
+            <a:extLst>
+              <a:ext uri="{28A0092B-C50C-407E-A947-70E740481C1C}">
+                <a14:useLocalDpi xmlns:a14="http://schemas.microsoft.com/office/drawing/2010/main" val="0"/>
+              </a:ext>
+            </a:extLst>
+          </a:blip>
+          <a:stretch>
+            <a:fillRect/>
+          </a:stretch>
+        </p:blipFill>
+        <p:spPr>
+          <a:xfrm>
+            <a:off x="10744179" y="2413574"/>
+            <a:ext cx="1046752" cy="1046752"/>
+          </a:xfrm>
+          <a:prstGeom prst="rect">
+            <a:avLst/>
+          </a:prstGeom>
+        </p:spPr>
+      </p:pic>
+      <p:pic>
+        <p:nvPicPr>
+          <p:cNvPr id="14" name="Imagen 13">
+            <a:extLst>
+              <a:ext uri="{FF2B5EF4-FFF2-40B4-BE49-F238E27FC236}">
+                <a16:creationId xmlns:a16="http://schemas.microsoft.com/office/drawing/2014/main" id="{25B4A9F1-191D-4D34-BD0D-BB4205670155}"/>
+              </a:ext>
+            </a:extLst>
+          </p:cNvPr>
+          <p:cNvPicPr>
+            <a:picLocks noChangeAspect="1"/>
+          </p:cNvPicPr>
+          <p:nvPr/>
+        </p:nvPicPr>
+        <p:blipFill>
+          <a:blip r:embed="rId4">
+            <a:extLst>
+              <a:ext uri="{28A0092B-C50C-407E-A947-70E740481C1C}">
+                <a14:useLocalDpi xmlns:a14="http://schemas.microsoft.com/office/drawing/2010/main" val="0"/>
+              </a:ext>
+            </a:extLst>
+          </a:blip>
+          <a:stretch>
+            <a:fillRect/>
+          </a:stretch>
+        </p:blipFill>
+        <p:spPr>
+          <a:xfrm>
+            <a:off x="10710532" y="1040859"/>
+            <a:ext cx="1135345" cy="1135345"/>
+          </a:xfrm>
+          <a:prstGeom prst="rect">
+            <a:avLst/>
+          </a:prstGeom>
+        </p:spPr>
+      </p:pic>
+      <p:pic>
+        <p:nvPicPr>
+          <p:cNvPr id="15" name="Imagen 14">
+            <a:extLst>
+              <a:ext uri="{FF2B5EF4-FFF2-40B4-BE49-F238E27FC236}">
+                <a16:creationId xmlns:a16="http://schemas.microsoft.com/office/drawing/2014/main" id="{E28B9DDB-3ACD-4F80-9C6E-3018FAC39432}"/>
+              </a:ext>
+            </a:extLst>
+          </p:cNvPr>
+          <p:cNvPicPr>
+            <a:picLocks noChangeAspect="1"/>
+          </p:cNvPicPr>
+          <p:nvPr/>
+        </p:nvPicPr>
+        <p:blipFill>
+          <a:blip r:embed="rId5">
+            <a:extLst>
+              <a:ext uri="{28A0092B-C50C-407E-A947-70E740481C1C}">
+                <a14:useLocalDpi xmlns:a14="http://schemas.microsoft.com/office/drawing/2010/main" val="0"/>
+              </a:ext>
+            </a:extLst>
+          </a:blip>
+          <a:stretch>
+            <a:fillRect/>
+          </a:stretch>
+        </p:blipFill>
+        <p:spPr>
+          <a:xfrm flipH="1">
+            <a:off x="159798" y="321548"/>
+            <a:ext cx="2032987" cy="1677102"/>
+          </a:xfrm>
+          <a:prstGeom prst="rect">
+            <a:avLst/>
+          </a:prstGeom>
+        </p:spPr>
+      </p:pic>
+    </p:spTree>
+    <p:extLst>
+      <p:ext uri="{BB962C8B-B14F-4D97-AF65-F5344CB8AC3E}">
+        <p14:creationId xmlns:p14="http://schemas.microsoft.com/office/powerpoint/2010/main" val="2882696871"/>
       </p:ext>
     </p:extLst>
   </p:cSld>
